--- a/slides/joins.pptx
+++ b/slides/joins.pptx
@@ -5,7 +5,7 @@
     <p:sldMasterId id="2147483912" r:id="rId1"/>
   </p:sldMasterIdLst>
   <p:notesMasterIdLst>
-    <p:notesMasterId r:id="rId24"/>
+    <p:notesMasterId r:id="rId23"/>
   </p:notesMasterIdLst>
   <p:sldIdLst>
     <p:sldId id="256" r:id="rId2"/>
@@ -27,9 +27,8 @@
     <p:sldId id="275" r:id="rId18"/>
     <p:sldId id="276" r:id="rId19"/>
     <p:sldId id="279" r:id="rId20"/>
-    <p:sldId id="280" r:id="rId21"/>
-    <p:sldId id="278" r:id="rId22"/>
-    <p:sldId id="281" r:id="rId23"/>
+    <p:sldId id="278" r:id="rId21"/>
+    <p:sldId id="281" r:id="rId22"/>
   </p:sldIdLst>
   <p:sldSz cx="12192000" cy="6858000"/>
   <p:notesSz cx="6858000" cy="9144000"/>
@@ -218,7 +217,7 @@
           <a:p>
             <a:fld id="{5701B432-CA49-394F-A532-26B0D002A51A}" type="datetimeFigureOut">
               <a:rPr lang="en-US" smtClean="0"/>
-              <a:t>7/8/22</a:t>
+              <a:t>7/26/22</a:t>
             </a:fld>
             <a:endParaRPr lang="en-US"/>
           </a:p>
@@ -572,93 +571,6 @@
 </p:notes>
 </file>
 
-<file path=ppt/notesSlides/notesSlide10.xml><?xml version="1.0" encoding="utf-8"?>
-<p:notes xmlns:a="http://schemas.openxmlformats.org/drawingml/2006/main" xmlns:r="http://schemas.openxmlformats.org/officeDocument/2006/relationships" xmlns:p="http://schemas.openxmlformats.org/presentationml/2006/main">
-  <p:cSld>
-    <p:spTree>
-      <p:nvGrpSpPr>
-        <p:cNvPr id="1" name=""/>
-        <p:cNvGrpSpPr/>
-        <p:nvPr/>
-      </p:nvGrpSpPr>
-      <p:grpSpPr>
-        <a:xfrm>
-          <a:off x="0" y="0"/>
-          <a:ext cx="0" cy="0"/>
-          <a:chOff x="0" y="0"/>
-          <a:chExt cx="0" cy="0"/>
-        </a:xfrm>
-      </p:grpSpPr>
-      <p:sp>
-        <p:nvSpPr>
-          <p:cNvPr id="2" name="Slide Image Placeholder 1"/>
-          <p:cNvSpPr>
-            <a:spLocks noGrp="1" noRot="1" noChangeAspect="1"/>
-          </p:cNvSpPr>
-          <p:nvPr>
-            <p:ph type="sldImg"/>
-          </p:nvPr>
-        </p:nvSpPr>
-        <p:spPr/>
-      </p:sp>
-      <p:sp>
-        <p:nvSpPr>
-          <p:cNvPr id="3" name="Notes Placeholder 2"/>
-          <p:cNvSpPr>
-            <a:spLocks noGrp="1"/>
-          </p:cNvSpPr>
-          <p:nvPr>
-            <p:ph type="body" idx="1"/>
-          </p:nvPr>
-        </p:nvSpPr>
-        <p:spPr/>
-        <p:txBody>
-          <a:bodyPr/>
-          <a:lstStyle/>
-          <a:p>
-            <a:r>
-              <a:rPr lang="en-US" dirty="0"/>
-              <a:t>What’s the key? </a:t>
-            </a:r>
-          </a:p>
-        </p:txBody>
-      </p:sp>
-      <p:sp>
-        <p:nvSpPr>
-          <p:cNvPr id="4" name="Slide Number Placeholder 3"/>
-          <p:cNvSpPr>
-            <a:spLocks noGrp="1"/>
-          </p:cNvSpPr>
-          <p:nvPr>
-            <p:ph type="sldNum" sz="quarter" idx="5"/>
-          </p:nvPr>
-        </p:nvSpPr>
-        <p:spPr/>
-        <p:txBody>
-          <a:bodyPr/>
-          <a:lstStyle/>
-          <a:p>
-            <a:fld id="{46091E88-276F-A443-B3A6-F8B763DB4F44}" type="slidenum">
-              <a:rPr lang="en-US" smtClean="0"/>
-              <a:t>22</a:t>
-            </a:fld>
-            <a:endParaRPr lang="en-US"/>
-          </a:p>
-        </p:txBody>
-      </p:sp>
-    </p:spTree>
-    <p:extLst>
-      <p:ext uri="{BB962C8B-B14F-4D97-AF65-F5344CB8AC3E}">
-        <p14:creationId xmlns:p14="http://schemas.microsoft.com/office/powerpoint/2010/main" val="2379164997"/>
-      </p:ext>
-    </p:extLst>
-  </p:cSld>
-  <p:clrMapOvr>
-    <a:masterClrMapping/>
-  </p:clrMapOvr>
-</p:notes>
-</file>
-
 <file path=ppt/notesSlides/notesSlide2.xml><?xml version="1.0" encoding="utf-8"?>
 <p:notes xmlns:a="http://schemas.openxmlformats.org/drawingml/2006/main" xmlns:r="http://schemas.openxmlformats.org/officeDocument/2006/relationships" xmlns:p="http://schemas.openxmlformats.org/presentationml/2006/main">
   <p:cSld>
@@ -1262,7 +1174,7 @@
     </p:spTree>
     <p:extLst>
       <p:ext uri="{BB962C8B-B14F-4D97-AF65-F5344CB8AC3E}">
-        <p14:creationId xmlns:p14="http://schemas.microsoft.com/office/powerpoint/2010/main" val="264408366"/>
+        <p14:creationId xmlns:p14="http://schemas.microsoft.com/office/powerpoint/2010/main" val="2448461738"/>
       </p:ext>
     </p:extLst>
   </p:cSld>
@@ -1349,7 +1261,7 @@
     </p:spTree>
     <p:extLst>
       <p:ext uri="{BB962C8B-B14F-4D97-AF65-F5344CB8AC3E}">
-        <p14:creationId xmlns:p14="http://schemas.microsoft.com/office/powerpoint/2010/main" val="2448461738"/>
+        <p14:creationId xmlns:p14="http://schemas.microsoft.com/office/powerpoint/2010/main" val="2379164997"/>
       </p:ext>
     </p:extLst>
   </p:cSld>
@@ -1584,7 +1496,7 @@
             <a:fld id="{5586B75A-687E-405C-8A0B-8D00578BA2C3}" type="datetimeFigureOut">
               <a:rPr lang="en-US" smtClean="0"/>
               <a:pPr/>
-              <a:t>7/8/22</a:t>
+              <a:t>7/26/22</a:t>
             </a:fld>
             <a:endParaRPr lang="en-US" dirty="0"/>
           </a:p>
@@ -1756,7 +1668,7 @@
             <a:fld id="{5586B75A-687E-405C-8A0B-8D00578BA2C3}" type="datetimeFigureOut">
               <a:rPr lang="en-US" smtClean="0"/>
               <a:pPr/>
-              <a:t>7/8/22</a:t>
+              <a:t>7/26/22</a:t>
             </a:fld>
             <a:endParaRPr lang="en-US" dirty="0"/>
           </a:p>
@@ -1938,7 +1850,7 @@
             <a:fld id="{5586B75A-687E-405C-8A0B-8D00578BA2C3}" type="datetimeFigureOut">
               <a:rPr lang="en-US" smtClean="0"/>
               <a:pPr/>
-              <a:t>7/8/22</a:t>
+              <a:t>7/26/22</a:t>
             </a:fld>
             <a:endParaRPr lang="en-US" dirty="0"/>
           </a:p>
@@ -2110,7 +2022,7 @@
             <a:fld id="{5586B75A-687E-405C-8A0B-8D00578BA2C3}" type="datetimeFigureOut">
               <a:rPr lang="en-US" smtClean="0"/>
               <a:pPr/>
-              <a:t>7/8/22</a:t>
+              <a:t>7/26/22</a:t>
             </a:fld>
             <a:endParaRPr lang="en-US" dirty="0"/>
           </a:p>
@@ -2366,7 +2278,7 @@
             <a:fld id="{5586B75A-687E-405C-8A0B-8D00578BA2C3}" type="datetimeFigureOut">
               <a:rPr lang="en-US" smtClean="0"/>
               <a:pPr/>
-              <a:t>7/8/22</a:t>
+              <a:t>7/26/22</a:t>
             </a:fld>
             <a:endParaRPr lang="en-US" dirty="0"/>
           </a:p>
@@ -2656,7 +2568,7 @@
             <a:fld id="{5586B75A-687E-405C-8A0B-8D00578BA2C3}" type="datetimeFigureOut">
               <a:rPr lang="en-US" smtClean="0"/>
               <a:pPr/>
-              <a:t>7/8/22</a:t>
+              <a:t>7/26/22</a:t>
             </a:fld>
             <a:endParaRPr lang="en-US" dirty="0"/>
           </a:p>
@@ -3100,7 +3012,7 @@
             <a:fld id="{5586B75A-687E-405C-8A0B-8D00578BA2C3}" type="datetimeFigureOut">
               <a:rPr lang="en-US" smtClean="0"/>
               <a:pPr/>
-              <a:t>7/8/22</a:t>
+              <a:t>7/26/22</a:t>
             </a:fld>
             <a:endParaRPr lang="en-US" dirty="0"/>
           </a:p>
@@ -3221,7 +3133,7 @@
             <a:fld id="{5586B75A-687E-405C-8A0B-8D00578BA2C3}" type="datetimeFigureOut">
               <a:rPr lang="en-US" smtClean="0"/>
               <a:pPr/>
-              <a:t>7/8/22</a:t>
+              <a:t>7/26/22</a:t>
             </a:fld>
             <a:endParaRPr lang="en-US" dirty="0"/>
           </a:p>
@@ -3318,7 +3230,7 @@
             <a:fld id="{5586B75A-687E-405C-8A0B-8D00578BA2C3}" type="datetimeFigureOut">
               <a:rPr lang="en-US" smtClean="0"/>
               <a:pPr/>
-              <a:t>7/8/22</a:t>
+              <a:t>7/26/22</a:t>
             </a:fld>
             <a:endParaRPr lang="en-US" dirty="0"/>
           </a:p>
@@ -3608,7 +3520,7 @@
             <a:fld id="{5586B75A-687E-405C-8A0B-8D00578BA2C3}" type="datetimeFigureOut">
               <a:rPr lang="en-US" smtClean="0"/>
               <a:pPr/>
-              <a:t>7/8/22</a:t>
+              <a:t>7/26/22</a:t>
             </a:fld>
             <a:endParaRPr lang="en-US" dirty="0"/>
           </a:p>
@@ -3883,7 +3795,7 @@
             <a:fld id="{5586B75A-687E-405C-8A0B-8D00578BA2C3}" type="datetimeFigureOut">
               <a:rPr lang="en-US" smtClean="0"/>
               <a:pPr/>
-              <a:t>7/8/22</a:t>
+              <a:t>7/26/22</a:t>
             </a:fld>
             <a:endParaRPr lang="en-US" dirty="0"/>
           </a:p>
@@ -4182,7 +4094,7 @@
             <a:fld id="{5586B75A-687E-405C-8A0B-8D00578BA2C3}" type="datetimeFigureOut">
               <a:rPr lang="en-US" smtClean="0"/>
               <a:pPr/>
-              <a:t>7/8/22</a:t>
+              <a:t>7/26/22</a:t>
             </a:fld>
             <a:endParaRPr lang="en-US" dirty="0"/>
           </a:p>
@@ -11863,1169 +11775,6 @@
           <a:chExt cx="0" cy="0"/>
         </a:xfrm>
       </p:grpSpPr>
-      <p:cxnSp>
-        <p:nvCxnSpPr>
-          <p:cNvPr id="37" name="Straight Connector 36">
-            <a:extLst>
-              <a:ext uri="{FF2B5EF4-FFF2-40B4-BE49-F238E27FC236}">
-                <a16:creationId xmlns:a16="http://schemas.microsoft.com/office/drawing/2014/main" id="{2D6D923F-0E28-203C-3B6E-E912CABBEC40}"/>
-              </a:ext>
-            </a:extLst>
-          </p:cNvPr>
-          <p:cNvCxnSpPr>
-            <a:cxnSpLocks/>
-          </p:cNvCxnSpPr>
-          <p:nvPr/>
-        </p:nvCxnSpPr>
-        <p:spPr>
-          <a:xfrm flipH="1">
-            <a:off x="5432013" y="3876835"/>
-            <a:ext cx="1371600" cy="1301269"/>
-          </a:xfrm>
-          <a:prstGeom prst="line">
-            <a:avLst/>
-          </a:prstGeom>
-          <a:ln w="28575">
-            <a:solidFill>
-              <a:schemeClr val="dk1">
-                <a:alpha val="70000"/>
-              </a:schemeClr>
-            </a:solidFill>
-          </a:ln>
-        </p:spPr>
-        <p:style>
-          <a:lnRef idx="1">
-            <a:schemeClr val="dk1"/>
-          </a:lnRef>
-          <a:fillRef idx="0">
-            <a:schemeClr val="dk1"/>
-          </a:fillRef>
-          <a:effectRef idx="0">
-            <a:schemeClr val="dk1"/>
-          </a:effectRef>
-          <a:fontRef idx="minor">
-            <a:schemeClr val="tx1"/>
-          </a:fontRef>
-        </p:style>
-      </p:cxnSp>
-      <p:sp>
-        <p:nvSpPr>
-          <p:cNvPr id="3" name="Content Placeholder 2">
-            <a:extLst>
-              <a:ext uri="{FF2B5EF4-FFF2-40B4-BE49-F238E27FC236}">
-                <a16:creationId xmlns:a16="http://schemas.microsoft.com/office/drawing/2014/main" id="{7A48A633-AD3E-C233-2479-72EDBEE0A385}"/>
-              </a:ext>
-            </a:extLst>
-          </p:cNvPr>
-          <p:cNvSpPr>
-            <a:spLocks noGrp="1"/>
-          </p:cNvSpPr>
-          <p:nvPr>
-            <p:ph idx="1"/>
-          </p:nvPr>
-        </p:nvSpPr>
-        <p:spPr>
-          <a:xfrm>
-            <a:off x="3869268" y="864108"/>
-            <a:ext cx="7315200" cy="5993892"/>
-          </a:xfrm>
-        </p:spPr>
-        <p:txBody>
-          <a:bodyPr anchor="t">
-            <a:normAutofit/>
-          </a:bodyPr>
-          <a:lstStyle/>
-          <a:p>
-            <a:pPr marL="0" indent="0">
-              <a:buNone/>
-            </a:pPr>
-            <a:r>
-              <a:rPr lang="en-US" sz="2800" dirty="0" err="1">
-                <a:latin typeface="Courier" pitchFamily="2" charset="0"/>
-              </a:rPr>
-              <a:t>right_join</a:t>
-            </a:r>
-            <a:r>
-              <a:rPr lang="en-US" sz="2800" dirty="0">
-                <a:latin typeface="Courier" pitchFamily="2" charset="0"/>
-              </a:rPr>
-              <a:t>()</a:t>
-            </a:r>
-          </a:p>
-          <a:p>
-            <a:r>
-              <a:rPr lang="en-US" sz="2800" dirty="0"/>
-              <a:t>Resulting table has all rows in right table</a:t>
-            </a:r>
-          </a:p>
-        </p:txBody>
-      </p:sp>
-      <p:sp>
-        <p:nvSpPr>
-          <p:cNvPr id="2" name="Title 1">
-            <a:extLst>
-              <a:ext uri="{FF2B5EF4-FFF2-40B4-BE49-F238E27FC236}">
-                <a16:creationId xmlns:a16="http://schemas.microsoft.com/office/drawing/2014/main" id="{EB568ABB-7BF8-B9A5-E4E1-09B6EF2EA5EC}"/>
-              </a:ext>
-            </a:extLst>
-          </p:cNvPr>
-          <p:cNvSpPr>
-            <a:spLocks noGrp="1"/>
-          </p:cNvSpPr>
-          <p:nvPr>
-            <p:ph type="title"/>
-          </p:nvPr>
-        </p:nvSpPr>
-        <p:spPr/>
-        <p:txBody>
-          <a:bodyPr/>
-          <a:lstStyle/>
-          <a:p>
-            <a:r>
-              <a:rPr lang="en-US" dirty="0"/>
-              <a:t>Joins</a:t>
-            </a:r>
-          </a:p>
-        </p:txBody>
-      </p:sp>
-      <p:sp>
-        <p:nvSpPr>
-          <p:cNvPr id="10" name="Rectangle 9">
-            <a:extLst>
-              <a:ext uri="{FF2B5EF4-FFF2-40B4-BE49-F238E27FC236}">
-                <a16:creationId xmlns:a16="http://schemas.microsoft.com/office/drawing/2014/main" id="{C094574F-24A0-CCD4-13EE-C4369756CC64}"/>
-              </a:ext>
-            </a:extLst>
-          </p:cNvPr>
-          <p:cNvSpPr/>
-          <p:nvPr/>
-        </p:nvSpPr>
-        <p:spPr>
-          <a:xfrm>
-            <a:off x="3839199" y="1917642"/>
-            <a:ext cx="7750646" cy="874544"/>
-          </a:xfrm>
-          <a:prstGeom prst="rect">
-            <a:avLst/>
-          </a:prstGeom>
-          <a:solidFill>
-            <a:schemeClr val="bg1">
-              <a:lumMod val="95000"/>
-            </a:schemeClr>
-          </a:solidFill>
-          <a:ln>
-            <a:noFill/>
-          </a:ln>
-        </p:spPr>
-        <p:style>
-          <a:lnRef idx="2">
-            <a:schemeClr val="accent4">
-              <a:shade val="50000"/>
-            </a:schemeClr>
-          </a:lnRef>
-          <a:fillRef idx="1">
-            <a:schemeClr val="accent4"/>
-          </a:fillRef>
-          <a:effectRef idx="0">
-            <a:schemeClr val="accent4"/>
-          </a:effectRef>
-          <a:fontRef idx="minor">
-            <a:schemeClr val="lt1"/>
-          </a:fontRef>
-        </p:style>
-        <p:txBody>
-          <a:bodyPr rtlCol="0" anchor="ctr"/>
-          <a:lstStyle/>
-          <a:p>
-            <a:r>
-              <a:rPr lang="en-US" sz="2800" dirty="0" err="1">
-                <a:solidFill>
-                  <a:schemeClr val="tx1"/>
-                </a:solidFill>
-                <a:latin typeface="Courier" pitchFamily="2" charset="0"/>
-              </a:rPr>
-              <a:t>Table_X</a:t>
-            </a:r>
-            <a:r>
-              <a:rPr lang="en-US" sz="2800" dirty="0">
-                <a:solidFill>
-                  <a:schemeClr val="tx1"/>
-                </a:solidFill>
-                <a:latin typeface="Courier" pitchFamily="2" charset="0"/>
-              </a:rPr>
-              <a:t> %&gt;%</a:t>
-            </a:r>
-          </a:p>
-          <a:p>
-            <a:r>
-              <a:rPr lang="en-US" sz="2800" dirty="0">
-                <a:solidFill>
-                  <a:schemeClr val="tx1"/>
-                </a:solidFill>
-                <a:latin typeface="Courier" pitchFamily="2" charset="0"/>
-              </a:rPr>
-              <a:t>	</a:t>
-            </a:r>
-            <a:r>
-              <a:rPr lang="en-US" sz="2800" dirty="0" err="1">
-                <a:solidFill>
-                  <a:schemeClr val="tx1"/>
-                </a:solidFill>
-                <a:latin typeface="Courier" pitchFamily="2" charset="0"/>
-              </a:rPr>
-              <a:t>right_join</a:t>
-            </a:r>
-            <a:r>
-              <a:rPr lang="en-US" sz="2800" dirty="0">
-                <a:solidFill>
-                  <a:schemeClr val="tx1"/>
-                </a:solidFill>
-                <a:latin typeface="Courier" pitchFamily="2" charset="0"/>
-              </a:rPr>
-              <a:t>(</a:t>
-            </a:r>
-            <a:r>
-              <a:rPr lang="en-US" sz="2800" dirty="0" err="1">
-                <a:solidFill>
-                  <a:schemeClr val="tx1"/>
-                </a:solidFill>
-                <a:latin typeface="Courier" pitchFamily="2" charset="0"/>
-              </a:rPr>
-              <a:t>Table_Y</a:t>
-            </a:r>
-            <a:r>
-              <a:rPr lang="en-US" sz="2800" dirty="0">
-                <a:solidFill>
-                  <a:schemeClr val="tx1"/>
-                </a:solidFill>
-                <a:latin typeface="Courier" pitchFamily="2" charset="0"/>
-              </a:rPr>
-              <a:t>, by = “ID”) </a:t>
-            </a:r>
-          </a:p>
-        </p:txBody>
-      </p:sp>
-      <p:graphicFrame>
-        <p:nvGraphicFramePr>
-          <p:cNvPr id="11" name="Table 4">
-            <a:extLst>
-              <a:ext uri="{FF2B5EF4-FFF2-40B4-BE49-F238E27FC236}">
-                <a16:creationId xmlns:a16="http://schemas.microsoft.com/office/drawing/2014/main" id="{AD5EFC53-6750-6E69-1356-124FCE15CD8B}"/>
-              </a:ext>
-            </a:extLst>
-          </p:cNvPr>
-          <p:cNvGraphicFramePr>
-            <a:graphicFrameLocks noGrp="1"/>
-          </p:cNvGraphicFramePr>
-          <p:nvPr/>
-        </p:nvGraphicFramePr>
-        <p:xfrm>
-          <a:off x="8850086" y="3722915"/>
-          <a:ext cx="2954290" cy="2031248"/>
-        </p:xfrm>
-        <a:graphic>
-          <a:graphicData uri="http://schemas.openxmlformats.org/drawingml/2006/table">
-            <a:tbl>
-              <a:tblPr firstRow="1" bandRow="1">
-                <a:tableStyleId>{5940675A-B579-460E-94D1-54222C63F5DA}</a:tableStyleId>
-              </a:tblPr>
-              <a:tblGrid>
-                <a:gridCol w="690042">
-                  <a:extLst>
-                    <a:ext uri="{9D8B030D-6E8A-4147-A177-3AD203B41FA5}">
-                      <a16:colId xmlns:a16="http://schemas.microsoft.com/office/drawing/2014/main" val="2343736610"/>
-                    </a:ext>
-                  </a:extLst>
-                </a:gridCol>
-                <a:gridCol w="1132124">
-                  <a:extLst>
-                    <a:ext uri="{9D8B030D-6E8A-4147-A177-3AD203B41FA5}">
-                      <a16:colId xmlns:a16="http://schemas.microsoft.com/office/drawing/2014/main" val="167488324"/>
-                    </a:ext>
-                  </a:extLst>
-                </a:gridCol>
-                <a:gridCol w="1132124">
-                  <a:extLst>
-                    <a:ext uri="{9D8B030D-6E8A-4147-A177-3AD203B41FA5}">
-                      <a16:colId xmlns:a16="http://schemas.microsoft.com/office/drawing/2014/main" val="2479167743"/>
-                    </a:ext>
-                  </a:extLst>
-                </a:gridCol>
-              </a:tblGrid>
-              <a:tr h="484046">
-                <a:tc>
-                  <a:txBody>
-                    <a:bodyPr/>
-                    <a:lstStyle/>
-                    <a:p>
-                      <a:pPr algn="ctr"/>
-                      <a:r>
-                        <a:rPr lang="en-US" sz="2000" b="1" dirty="0">
-                          <a:solidFill>
-                            <a:schemeClr val="bg1"/>
-                          </a:solidFill>
-                          <a:latin typeface="Courier" pitchFamily="2" charset="0"/>
-                        </a:rPr>
-                        <a:t>key</a:t>
-                      </a:r>
-                    </a:p>
-                  </a:txBody>
-                  <a:tcPr anchor="ctr">
-                    <a:solidFill>
-                      <a:schemeClr val="accent4"/>
-                    </a:solidFill>
-                  </a:tcPr>
-                </a:tc>
-                <a:tc>
-                  <a:txBody>
-                    <a:bodyPr/>
-                    <a:lstStyle/>
-                    <a:p>
-                      <a:pPr algn="ctr"/>
-                      <a:r>
-                        <a:rPr lang="en-US" sz="2000" b="1" dirty="0" err="1">
-                          <a:solidFill>
-                            <a:schemeClr val="bg1"/>
-                          </a:solidFill>
-                          <a:latin typeface="Courier" pitchFamily="2" charset="0"/>
-                        </a:rPr>
-                        <a:t>DataX</a:t>
-                      </a:r>
-                      <a:endParaRPr lang="en-US" sz="2000" b="1" dirty="0">
-                        <a:solidFill>
-                          <a:schemeClr val="bg1"/>
-                        </a:solidFill>
-                        <a:latin typeface="Courier" pitchFamily="2" charset="0"/>
-                      </a:endParaRPr>
-                    </a:p>
-                  </a:txBody>
-                  <a:tcPr anchor="ctr">
-                    <a:solidFill>
-                      <a:schemeClr val="accent4"/>
-                    </a:solidFill>
-                  </a:tcPr>
-                </a:tc>
-                <a:tc>
-                  <a:txBody>
-                    <a:bodyPr/>
-                    <a:lstStyle/>
-                    <a:p>
-                      <a:pPr algn="ctr"/>
-                      <a:r>
-                        <a:rPr lang="en-US" sz="2000" b="1" dirty="0" err="1">
-                          <a:solidFill>
-                            <a:schemeClr val="bg1"/>
-                          </a:solidFill>
-                          <a:latin typeface="Courier" pitchFamily="2" charset="0"/>
-                        </a:rPr>
-                        <a:t>DataY</a:t>
-                      </a:r>
-                      <a:endParaRPr lang="en-US" sz="2000" b="1" dirty="0">
-                        <a:solidFill>
-                          <a:schemeClr val="bg1"/>
-                        </a:solidFill>
-                        <a:latin typeface="Courier" pitchFamily="2" charset="0"/>
-                      </a:endParaRPr>
-                    </a:p>
-                  </a:txBody>
-                  <a:tcPr anchor="ctr">
-                    <a:solidFill>
-                      <a:schemeClr val="accent4"/>
-                    </a:solidFill>
-                  </a:tcPr>
-                </a:tc>
-                <a:extLst>
-                  <a:ext uri="{0D108BD9-81ED-4DB2-BD59-A6C34878D82A}">
-                    <a16:rowId xmlns:a16="http://schemas.microsoft.com/office/drawing/2014/main" val="1578582257"/>
-                  </a:ext>
-                </a:extLst>
-              </a:tr>
-              <a:tr h="515734">
-                <a:tc>
-                  <a:txBody>
-                    <a:bodyPr/>
-                    <a:lstStyle/>
-                    <a:p>
-                      <a:pPr algn="ctr"/>
-                      <a:r>
-                        <a:rPr lang="en-US" sz="2000" dirty="0">
-                          <a:latin typeface="Courier" pitchFamily="2" charset="0"/>
-                        </a:rPr>
-                        <a:t>1</a:t>
-                      </a:r>
-                    </a:p>
-                  </a:txBody>
-                  <a:tcPr anchor="ctr">
-                    <a:solidFill>
-                      <a:schemeClr val="accent5">
-                        <a:lumMod val="60000"/>
-                        <a:lumOff val="40000"/>
-                      </a:schemeClr>
-                    </a:solidFill>
-                  </a:tcPr>
-                </a:tc>
-                <a:tc>
-                  <a:txBody>
-                    <a:bodyPr/>
-                    <a:lstStyle/>
-                    <a:p>
-                      <a:pPr algn="ctr"/>
-                      <a:r>
-                        <a:rPr lang="en-US" sz="2000" dirty="0">
-                          <a:latin typeface="Courier" pitchFamily="2" charset="0"/>
-                        </a:rPr>
-                        <a:t>x1</a:t>
-                      </a:r>
-                    </a:p>
-                  </a:txBody>
-                  <a:tcPr anchor="ctr"/>
-                </a:tc>
-                <a:tc>
-                  <a:txBody>
-                    <a:bodyPr/>
-                    <a:lstStyle/>
-                    <a:p>
-                      <a:pPr algn="ctr"/>
-                      <a:r>
-                        <a:rPr lang="en-US" sz="2000" dirty="0">
-                          <a:latin typeface="Courier" pitchFamily="2" charset="0"/>
-                        </a:rPr>
-                        <a:t>y1</a:t>
-                      </a:r>
-                    </a:p>
-                  </a:txBody>
-                  <a:tcPr anchor="ctr"/>
-                </a:tc>
-                <a:extLst>
-                  <a:ext uri="{0D108BD9-81ED-4DB2-BD59-A6C34878D82A}">
-                    <a16:rowId xmlns:a16="http://schemas.microsoft.com/office/drawing/2014/main" val="1336051529"/>
-                  </a:ext>
-                </a:extLst>
-              </a:tr>
-              <a:tr h="515734">
-                <a:tc>
-                  <a:txBody>
-                    <a:bodyPr/>
-                    <a:lstStyle/>
-                    <a:p>
-                      <a:pPr algn="ctr"/>
-                      <a:r>
-                        <a:rPr lang="en-US" sz="2000" dirty="0">
-                          <a:latin typeface="Courier" pitchFamily="2" charset="0"/>
-                        </a:rPr>
-                        <a:t>2</a:t>
-                      </a:r>
-                    </a:p>
-                  </a:txBody>
-                  <a:tcPr anchor="ctr">
-                    <a:solidFill>
-                      <a:schemeClr val="accent2">
-                        <a:lumMod val="60000"/>
-                        <a:lumOff val="40000"/>
-                      </a:schemeClr>
-                    </a:solidFill>
-                  </a:tcPr>
-                </a:tc>
-                <a:tc>
-                  <a:txBody>
-                    <a:bodyPr/>
-                    <a:lstStyle/>
-                    <a:p>
-                      <a:pPr algn="ctr"/>
-                      <a:r>
-                        <a:rPr lang="en-US" sz="2000" dirty="0">
-                          <a:latin typeface="Courier" pitchFamily="2" charset="0"/>
-                        </a:rPr>
-                        <a:t>x2</a:t>
-                      </a:r>
-                    </a:p>
-                  </a:txBody>
-                  <a:tcPr anchor="ctr"/>
-                </a:tc>
-                <a:tc>
-                  <a:txBody>
-                    <a:bodyPr/>
-                    <a:lstStyle/>
-                    <a:p>
-                      <a:pPr algn="ctr"/>
-                      <a:r>
-                        <a:rPr lang="en-US" sz="2000" dirty="0">
-                          <a:latin typeface="Courier" pitchFamily="2" charset="0"/>
-                        </a:rPr>
-                        <a:t>y2</a:t>
-                      </a:r>
-                    </a:p>
-                  </a:txBody>
-                  <a:tcPr anchor="ctr"/>
-                </a:tc>
-                <a:extLst>
-                  <a:ext uri="{0D108BD9-81ED-4DB2-BD59-A6C34878D82A}">
-                    <a16:rowId xmlns:a16="http://schemas.microsoft.com/office/drawing/2014/main" val="1893164195"/>
-                  </a:ext>
-                </a:extLst>
-              </a:tr>
-              <a:tr h="515734">
-                <a:tc>
-                  <a:txBody>
-                    <a:bodyPr/>
-                    <a:lstStyle/>
-                    <a:p>
-                      <a:pPr algn="ctr"/>
-                      <a:r>
-                        <a:rPr lang="en-US" sz="2000" dirty="0">
-                          <a:latin typeface="Courier" pitchFamily="2" charset="0"/>
-                        </a:rPr>
-                        <a:t>4</a:t>
-                      </a:r>
-                    </a:p>
-                  </a:txBody>
-                  <a:tcPr anchor="ctr">
-                    <a:solidFill>
-                      <a:schemeClr val="accent6">
-                        <a:lumMod val="60000"/>
-                        <a:lumOff val="40000"/>
-                      </a:schemeClr>
-                    </a:solidFill>
-                  </a:tcPr>
-                </a:tc>
-                <a:tc>
-                  <a:txBody>
-                    <a:bodyPr/>
-                    <a:lstStyle/>
-                    <a:p>
-                      <a:pPr algn="ctr"/>
-                      <a:r>
-                        <a:rPr lang="en-US" sz="2000" dirty="0">
-                          <a:solidFill>
-                            <a:srgbClr val="C00000"/>
-                          </a:solidFill>
-                          <a:latin typeface="Courier" pitchFamily="2" charset="0"/>
-                        </a:rPr>
-                        <a:t>NA</a:t>
-                      </a:r>
-                      <a:endParaRPr lang="en-US" sz="2000" dirty="0">
-                        <a:latin typeface="Courier" pitchFamily="2" charset="0"/>
-                      </a:endParaRPr>
-                    </a:p>
-                  </a:txBody>
-                  <a:tcPr anchor="ctr"/>
-                </a:tc>
-                <a:tc>
-                  <a:txBody>
-                    <a:bodyPr/>
-                    <a:lstStyle/>
-                    <a:p>
-                      <a:pPr algn="ctr"/>
-                      <a:r>
-                        <a:rPr lang="en-US" sz="2000" dirty="0">
-                          <a:solidFill>
-                            <a:schemeClr val="tx1"/>
-                          </a:solidFill>
-                          <a:latin typeface="Courier" pitchFamily="2" charset="0"/>
-                        </a:rPr>
-                        <a:t>y3</a:t>
-                      </a:r>
-                    </a:p>
-                  </a:txBody>
-                  <a:tcPr anchor="ctr"/>
-                </a:tc>
-                <a:extLst>
-                  <a:ext uri="{0D108BD9-81ED-4DB2-BD59-A6C34878D82A}">
-                    <a16:rowId xmlns:a16="http://schemas.microsoft.com/office/drawing/2014/main" val="1127064358"/>
-                  </a:ext>
-                </a:extLst>
-              </a:tr>
-            </a:tbl>
-          </a:graphicData>
-        </a:graphic>
-      </p:graphicFrame>
-      <p:sp>
-        <p:nvSpPr>
-          <p:cNvPr id="23" name="Right Arrow 22">
-            <a:extLst>
-              <a:ext uri="{FF2B5EF4-FFF2-40B4-BE49-F238E27FC236}">
-                <a16:creationId xmlns:a16="http://schemas.microsoft.com/office/drawing/2014/main" id="{4A79E781-6BDD-168C-7F1F-3092742A1CFA}"/>
-              </a:ext>
-            </a:extLst>
-          </p:cNvPr>
-          <p:cNvSpPr/>
-          <p:nvPr/>
-        </p:nvSpPr>
-        <p:spPr>
-          <a:xfrm>
-            <a:off x="8051966" y="4121426"/>
-            <a:ext cx="694469" cy="659495"/>
-          </a:xfrm>
-          <a:prstGeom prst="rightArrow">
-            <a:avLst/>
-          </a:prstGeom>
-        </p:spPr>
-        <p:style>
-          <a:lnRef idx="2">
-            <a:schemeClr val="accent1">
-              <a:shade val="50000"/>
-            </a:schemeClr>
-          </a:lnRef>
-          <a:fillRef idx="1">
-            <a:schemeClr val="accent1"/>
-          </a:fillRef>
-          <a:effectRef idx="0">
-            <a:schemeClr val="accent1"/>
-          </a:effectRef>
-          <a:fontRef idx="minor">
-            <a:schemeClr val="lt1"/>
-          </a:fontRef>
-        </p:style>
-        <p:txBody>
-          <a:bodyPr rtlCol="0" anchor="ctr"/>
-          <a:lstStyle/>
-          <a:p>
-            <a:pPr algn="ctr"/>
-            <a:endParaRPr lang="en-US"/>
-          </a:p>
-        </p:txBody>
-      </p:sp>
-      <p:cxnSp>
-        <p:nvCxnSpPr>
-          <p:cNvPr id="24" name="Straight Connector 23">
-            <a:extLst>
-              <a:ext uri="{FF2B5EF4-FFF2-40B4-BE49-F238E27FC236}">
-                <a16:creationId xmlns:a16="http://schemas.microsoft.com/office/drawing/2014/main" id="{31275A22-A235-5A06-025A-A15EEA2D96C3}"/>
-              </a:ext>
-            </a:extLst>
-          </p:cNvPr>
-          <p:cNvCxnSpPr>
-            <a:cxnSpLocks/>
-          </p:cNvCxnSpPr>
-          <p:nvPr/>
-        </p:nvCxnSpPr>
-        <p:spPr>
-          <a:xfrm flipH="1" flipV="1">
-            <a:off x="5019620" y="3571661"/>
-            <a:ext cx="1367309" cy="1431906"/>
-          </a:xfrm>
-          <a:prstGeom prst="line">
-            <a:avLst/>
-          </a:prstGeom>
-          <a:ln w="28575">
-            <a:solidFill>
-              <a:schemeClr val="dk1">
-                <a:alpha val="70000"/>
-              </a:schemeClr>
-            </a:solidFill>
-          </a:ln>
-        </p:spPr>
-        <p:style>
-          <a:lnRef idx="1">
-            <a:schemeClr val="dk1"/>
-          </a:lnRef>
-          <a:fillRef idx="0">
-            <a:schemeClr val="dk1"/>
-          </a:fillRef>
-          <a:effectRef idx="0">
-            <a:schemeClr val="dk1"/>
-          </a:effectRef>
-          <a:fontRef idx="minor">
-            <a:schemeClr val="tx1"/>
-          </a:fontRef>
-        </p:style>
-      </p:cxnSp>
-      <p:cxnSp>
-        <p:nvCxnSpPr>
-          <p:cNvPr id="27" name="Straight Connector 26">
-            <a:extLst>
-              <a:ext uri="{FF2B5EF4-FFF2-40B4-BE49-F238E27FC236}">
-                <a16:creationId xmlns:a16="http://schemas.microsoft.com/office/drawing/2014/main" id="{3D3661B4-EAE1-AB87-8F22-1519E8C50891}"/>
-              </a:ext>
-            </a:extLst>
-          </p:cNvPr>
-          <p:cNvCxnSpPr>
-            <a:cxnSpLocks/>
-          </p:cNvCxnSpPr>
-          <p:nvPr/>
-        </p:nvCxnSpPr>
-        <p:spPr>
-          <a:xfrm flipH="1" flipV="1">
-            <a:off x="5260962" y="3389811"/>
-            <a:ext cx="1371600" cy="1341069"/>
-          </a:xfrm>
-          <a:prstGeom prst="line">
-            <a:avLst/>
-          </a:prstGeom>
-          <a:ln w="28575">
-            <a:solidFill>
-              <a:schemeClr val="dk1">
-                <a:alpha val="70000"/>
-              </a:schemeClr>
-            </a:solidFill>
-          </a:ln>
-        </p:spPr>
-        <p:style>
-          <a:lnRef idx="1">
-            <a:schemeClr val="dk1"/>
-          </a:lnRef>
-          <a:fillRef idx="0">
-            <a:schemeClr val="dk1"/>
-          </a:fillRef>
-          <a:effectRef idx="0">
-            <a:schemeClr val="dk1"/>
-          </a:effectRef>
-          <a:fontRef idx="minor">
-            <a:schemeClr val="tx1"/>
-          </a:fontRef>
-        </p:style>
-      </p:cxnSp>
-      <p:cxnSp>
-        <p:nvCxnSpPr>
-          <p:cNvPr id="28" name="Straight Connector 27">
-            <a:extLst>
-              <a:ext uri="{FF2B5EF4-FFF2-40B4-BE49-F238E27FC236}">
-                <a16:creationId xmlns:a16="http://schemas.microsoft.com/office/drawing/2014/main" id="{FC487882-EE0E-7893-E2F0-1EE170352DA4}"/>
-              </a:ext>
-            </a:extLst>
-          </p:cNvPr>
-          <p:cNvCxnSpPr>
-            <a:cxnSpLocks/>
-          </p:cNvCxnSpPr>
-          <p:nvPr/>
-        </p:nvCxnSpPr>
-        <p:spPr>
-          <a:xfrm flipH="1" flipV="1">
-            <a:off x="5547147" y="3071529"/>
-            <a:ext cx="1372164" cy="1403003"/>
-          </a:xfrm>
-          <a:prstGeom prst="line">
-            <a:avLst/>
-          </a:prstGeom>
-          <a:ln w="28575">
-            <a:solidFill>
-              <a:schemeClr val="dk1">
-                <a:alpha val="70000"/>
-              </a:schemeClr>
-            </a:solidFill>
-          </a:ln>
-        </p:spPr>
-        <p:style>
-          <a:lnRef idx="1">
-            <a:schemeClr val="dk1"/>
-          </a:lnRef>
-          <a:fillRef idx="0">
-            <a:schemeClr val="dk1"/>
-          </a:fillRef>
-          <a:effectRef idx="0">
-            <a:schemeClr val="dk1"/>
-          </a:effectRef>
-          <a:fontRef idx="minor">
-            <a:schemeClr val="tx1"/>
-          </a:fontRef>
-        </p:style>
-      </p:cxnSp>
-      <p:cxnSp>
-        <p:nvCxnSpPr>
-          <p:cNvPr id="29" name="Straight Connector 28">
-            <a:extLst>
-              <a:ext uri="{FF2B5EF4-FFF2-40B4-BE49-F238E27FC236}">
-                <a16:creationId xmlns:a16="http://schemas.microsoft.com/office/drawing/2014/main" id="{8033419F-C469-85DD-D511-F5C6B8983FDA}"/>
-              </a:ext>
-            </a:extLst>
-          </p:cNvPr>
-          <p:cNvCxnSpPr>
-            <a:cxnSpLocks/>
-          </p:cNvCxnSpPr>
-          <p:nvPr/>
-        </p:nvCxnSpPr>
-        <p:spPr>
-          <a:xfrm flipV="1">
-            <a:off x="4633298" y="3107105"/>
-            <a:ext cx="1371600" cy="1333114"/>
-          </a:xfrm>
-          <a:prstGeom prst="line">
-            <a:avLst/>
-          </a:prstGeom>
-          <a:ln w="28575">
-            <a:solidFill>
-              <a:schemeClr val="dk1">
-                <a:alpha val="70000"/>
-              </a:schemeClr>
-            </a:solidFill>
-          </a:ln>
-        </p:spPr>
-        <p:style>
-          <a:lnRef idx="1">
-            <a:schemeClr val="dk1"/>
-          </a:lnRef>
-          <a:fillRef idx="0">
-            <a:schemeClr val="dk1"/>
-          </a:fillRef>
-          <a:effectRef idx="0">
-            <a:schemeClr val="dk1"/>
-          </a:effectRef>
-          <a:fontRef idx="minor">
-            <a:schemeClr val="tx1"/>
-          </a:fontRef>
-        </p:style>
-      </p:cxnSp>
-      <p:cxnSp>
-        <p:nvCxnSpPr>
-          <p:cNvPr id="30" name="Straight Connector 29">
-            <a:extLst>
-              <a:ext uri="{FF2B5EF4-FFF2-40B4-BE49-F238E27FC236}">
-                <a16:creationId xmlns:a16="http://schemas.microsoft.com/office/drawing/2014/main" id="{E217CBD8-4E80-B11A-F2E7-91E1A91BD0D0}"/>
-              </a:ext>
-            </a:extLst>
-          </p:cNvPr>
-          <p:cNvCxnSpPr>
-            <a:cxnSpLocks/>
-          </p:cNvCxnSpPr>
-          <p:nvPr/>
-        </p:nvCxnSpPr>
-        <p:spPr>
-          <a:xfrm flipH="1">
-            <a:off x="4868569" y="3379924"/>
-            <a:ext cx="1371600" cy="1350181"/>
-          </a:xfrm>
-          <a:prstGeom prst="line">
-            <a:avLst/>
-          </a:prstGeom>
-          <a:ln w="28575">
-            <a:solidFill>
-              <a:schemeClr val="dk1">
-                <a:alpha val="70000"/>
-              </a:schemeClr>
-            </a:solidFill>
-          </a:ln>
-        </p:spPr>
-        <p:style>
-          <a:lnRef idx="1">
-            <a:schemeClr val="dk1"/>
-          </a:lnRef>
-          <a:fillRef idx="0">
-            <a:schemeClr val="dk1"/>
-          </a:fillRef>
-          <a:effectRef idx="0">
-            <a:schemeClr val="dk1"/>
-          </a:effectRef>
-          <a:fontRef idx="minor">
-            <a:schemeClr val="tx1"/>
-          </a:fontRef>
-        </p:style>
-      </p:cxnSp>
-      <p:cxnSp>
-        <p:nvCxnSpPr>
-          <p:cNvPr id="31" name="Straight Connector 30">
-            <a:extLst>
-              <a:ext uri="{FF2B5EF4-FFF2-40B4-BE49-F238E27FC236}">
-                <a16:creationId xmlns:a16="http://schemas.microsoft.com/office/drawing/2014/main" id="{88A19514-9FF5-DBD7-CC46-E02F42B5E504}"/>
-              </a:ext>
-            </a:extLst>
-          </p:cNvPr>
-          <p:cNvCxnSpPr>
-            <a:cxnSpLocks/>
-          </p:cNvCxnSpPr>
-          <p:nvPr/>
-        </p:nvCxnSpPr>
-        <p:spPr>
-          <a:xfrm flipH="1">
-            <a:off x="5202361" y="3634227"/>
-            <a:ext cx="1371600" cy="1301269"/>
-          </a:xfrm>
-          <a:prstGeom prst="line">
-            <a:avLst/>
-          </a:prstGeom>
-          <a:ln w="28575">
-            <a:solidFill>
-              <a:schemeClr val="dk1">
-                <a:alpha val="20000"/>
-              </a:schemeClr>
-            </a:solidFill>
-          </a:ln>
-        </p:spPr>
-        <p:style>
-          <a:lnRef idx="1">
-            <a:schemeClr val="dk1"/>
-          </a:lnRef>
-          <a:fillRef idx="0">
-            <a:schemeClr val="dk1"/>
-          </a:fillRef>
-          <a:effectRef idx="0">
-            <a:schemeClr val="dk1"/>
-          </a:effectRef>
-          <a:fontRef idx="minor">
-            <a:schemeClr val="tx1"/>
-          </a:fontRef>
-        </p:style>
-      </p:cxnSp>
-      <p:pic>
-        <p:nvPicPr>
-          <p:cNvPr id="32" name="Picture 31" descr="Table&#10;&#10;Description automatically generated">
-            <a:extLst>
-              <a:ext uri="{FF2B5EF4-FFF2-40B4-BE49-F238E27FC236}">
-                <a16:creationId xmlns:a16="http://schemas.microsoft.com/office/drawing/2014/main" id="{5D9AFD88-5713-80D8-24F6-400B3311EED0}"/>
-              </a:ext>
-            </a:extLst>
-          </p:cNvPr>
-          <p:cNvPicPr>
-            <a:picLocks noChangeAspect="1"/>
-          </p:cNvPicPr>
-          <p:nvPr/>
-        </p:nvPicPr>
-        <p:blipFill rotWithShape="1">
-          <a:blip r:embed="rId3"/>
-          <a:srcRect l="2524" t="3710" r="3842" b="-1"/>
-          <a:stretch/>
-        </p:blipFill>
-        <p:spPr>
-          <a:xfrm rot="18967935">
-            <a:off x="3782254" y="4027902"/>
-            <a:ext cx="1647076" cy="1527985"/>
-          </a:xfrm>
-          <a:prstGeom prst="rect">
-            <a:avLst/>
-          </a:prstGeom>
-        </p:spPr>
-      </p:pic>
-      <p:pic>
-        <p:nvPicPr>
-          <p:cNvPr id="33" name="Picture 32" descr="Table&#10;&#10;Description automatically generated">
-            <a:extLst>
-              <a:ext uri="{FF2B5EF4-FFF2-40B4-BE49-F238E27FC236}">
-                <a16:creationId xmlns:a16="http://schemas.microsoft.com/office/drawing/2014/main" id="{7B281614-9370-3FD6-B210-1EB9F8B20AB6}"/>
-              </a:ext>
-            </a:extLst>
-          </p:cNvPr>
-          <p:cNvPicPr>
-            <a:picLocks noChangeAspect="1"/>
-          </p:cNvPicPr>
-          <p:nvPr/>
-        </p:nvPicPr>
-        <p:blipFill rotWithShape="1">
-          <a:blip r:embed="rId4"/>
-          <a:srcRect l="2434"/>
-          <a:stretch/>
-        </p:blipFill>
-        <p:spPr>
-          <a:xfrm rot="2646388">
-            <a:off x="6393793" y="4323690"/>
-            <a:ext cx="1734720" cy="1600200"/>
-          </a:xfrm>
-          <a:prstGeom prst="rect">
-            <a:avLst/>
-          </a:prstGeom>
-        </p:spPr>
-      </p:pic>
-      <p:sp>
-        <p:nvSpPr>
-          <p:cNvPr id="34" name="Oval 33">
-            <a:extLst>
-              <a:ext uri="{FF2B5EF4-FFF2-40B4-BE49-F238E27FC236}">
-                <a16:creationId xmlns:a16="http://schemas.microsoft.com/office/drawing/2014/main" id="{C54EA1DF-E1C9-B085-4742-A00C817B8A3D}"/>
-              </a:ext>
-            </a:extLst>
-          </p:cNvPr>
-          <p:cNvSpPr/>
-          <p:nvPr/>
-        </p:nvSpPr>
-        <p:spPr>
-          <a:xfrm>
-            <a:off x="5636195" y="3174533"/>
-            <a:ext cx="275939" cy="274320"/>
-          </a:xfrm>
-          <a:prstGeom prst="ellipse">
-            <a:avLst/>
-          </a:prstGeom>
-          <a:solidFill>
-            <a:schemeClr val="accent5">
-              <a:lumMod val="60000"/>
-              <a:lumOff val="40000"/>
-            </a:schemeClr>
-          </a:solidFill>
-        </p:spPr>
-        <p:style>
-          <a:lnRef idx="2">
-            <a:schemeClr val="accent1">
-              <a:shade val="50000"/>
-            </a:schemeClr>
-          </a:lnRef>
-          <a:fillRef idx="1">
-            <a:schemeClr val="accent1"/>
-          </a:fillRef>
-          <a:effectRef idx="0">
-            <a:schemeClr val="accent1"/>
-          </a:effectRef>
-          <a:fontRef idx="minor">
-            <a:schemeClr val="lt1"/>
-          </a:fontRef>
-        </p:style>
-        <p:txBody>
-          <a:bodyPr rtlCol="0" anchor="ctr"/>
-          <a:lstStyle/>
-          <a:p>
-            <a:pPr algn="ctr"/>
-            <a:endParaRPr lang="en-US"/>
-          </a:p>
-        </p:txBody>
-      </p:sp>
-      <p:sp>
-        <p:nvSpPr>
-          <p:cNvPr id="35" name="Oval 34">
-            <a:extLst>
-              <a:ext uri="{FF2B5EF4-FFF2-40B4-BE49-F238E27FC236}">
-                <a16:creationId xmlns:a16="http://schemas.microsoft.com/office/drawing/2014/main" id="{B10B5869-D4DE-F360-9F92-4A0349B92C96}"/>
-              </a:ext>
-            </a:extLst>
-          </p:cNvPr>
-          <p:cNvSpPr/>
-          <p:nvPr/>
-        </p:nvSpPr>
-        <p:spPr>
-          <a:xfrm>
-            <a:off x="5629204" y="3739675"/>
-            <a:ext cx="275939" cy="274320"/>
-          </a:xfrm>
-          <a:prstGeom prst="ellipse">
-            <a:avLst/>
-          </a:prstGeom>
-          <a:solidFill>
-            <a:schemeClr val="accent2">
-              <a:lumMod val="60000"/>
-              <a:lumOff val="40000"/>
-            </a:schemeClr>
-          </a:solidFill>
-        </p:spPr>
-        <p:style>
-          <a:lnRef idx="2">
-            <a:schemeClr val="accent1">
-              <a:shade val="50000"/>
-            </a:schemeClr>
-          </a:lnRef>
-          <a:fillRef idx="1">
-            <a:schemeClr val="accent1"/>
-          </a:fillRef>
-          <a:effectRef idx="0">
-            <a:schemeClr val="accent1"/>
-          </a:effectRef>
-          <a:fontRef idx="minor">
-            <a:schemeClr val="lt1"/>
-          </a:fontRef>
-        </p:style>
-        <p:txBody>
-          <a:bodyPr rtlCol="0" anchor="ctr"/>
-          <a:lstStyle/>
-          <a:p>
-            <a:pPr algn="ctr"/>
-            <a:endParaRPr lang="en-US"/>
-          </a:p>
-        </p:txBody>
-      </p:sp>
-      <p:pic>
-        <p:nvPicPr>
-          <p:cNvPr id="7" name="Picture 6" descr="A picture containing text&#10;&#10;Description automatically generated">
-            <a:extLst>
-              <a:ext uri="{FF2B5EF4-FFF2-40B4-BE49-F238E27FC236}">
-                <a16:creationId xmlns:a16="http://schemas.microsoft.com/office/drawing/2014/main" id="{1EE78322-15F1-8801-245E-66F4C70D319C}"/>
-              </a:ext>
-            </a:extLst>
-          </p:cNvPr>
-          <p:cNvPicPr>
-            <a:picLocks/>
-          </p:cNvPicPr>
-          <p:nvPr/>
-        </p:nvPicPr>
-        <p:blipFill>
-          <a:blip r:embed="rId5"/>
-          <a:stretch>
-            <a:fillRect/>
-          </a:stretch>
-        </p:blipFill>
-        <p:spPr>
-          <a:xfrm rot="18977379">
-            <a:off x="4407122" y="5193013"/>
-            <a:ext cx="1645920" cy="431800"/>
-          </a:xfrm>
-          <a:prstGeom prst="rect">
-            <a:avLst/>
-          </a:prstGeom>
-        </p:spPr>
-      </p:pic>
-      <p:sp>
-        <p:nvSpPr>
-          <p:cNvPr id="38" name="Oval 37">
-            <a:extLst>
-              <a:ext uri="{FF2B5EF4-FFF2-40B4-BE49-F238E27FC236}">
-                <a16:creationId xmlns:a16="http://schemas.microsoft.com/office/drawing/2014/main" id="{CFAC6008-DA36-6A70-1ED9-46612EBFA518}"/>
-              </a:ext>
-            </a:extLst>
-          </p:cNvPr>
-          <p:cNvSpPr/>
-          <p:nvPr/>
-        </p:nvSpPr>
-        <p:spPr>
-          <a:xfrm>
-            <a:off x="5869255" y="4474103"/>
-            <a:ext cx="275939" cy="274320"/>
-          </a:xfrm>
-          <a:prstGeom prst="ellipse">
-            <a:avLst/>
-          </a:prstGeom>
-          <a:solidFill>
-            <a:srgbClr val="C00000"/>
-          </a:solidFill>
-        </p:spPr>
-        <p:style>
-          <a:lnRef idx="2">
-            <a:schemeClr val="accent1">
-              <a:shade val="50000"/>
-            </a:schemeClr>
-          </a:lnRef>
-          <a:fillRef idx="1">
-            <a:schemeClr val="accent1"/>
-          </a:fillRef>
-          <a:effectRef idx="0">
-            <a:schemeClr val="accent1"/>
-          </a:effectRef>
-          <a:fontRef idx="minor">
-            <a:schemeClr val="lt1"/>
-          </a:fontRef>
-        </p:style>
-        <p:txBody>
-          <a:bodyPr rtlCol="0" anchor="ctr"/>
-          <a:lstStyle/>
-          <a:p>
-            <a:pPr algn="ctr"/>
-            <a:endParaRPr lang="en-US"/>
-          </a:p>
-        </p:txBody>
-      </p:sp>
-    </p:spTree>
-    <p:extLst>
-      <p:ext uri="{BB962C8B-B14F-4D97-AF65-F5344CB8AC3E}">
-        <p14:creationId xmlns:p14="http://schemas.microsoft.com/office/powerpoint/2010/main" val="1966862526"/>
-      </p:ext>
-    </p:extLst>
-  </p:cSld>
-  <p:clrMapOvr>
-    <a:masterClrMapping/>
-  </p:clrMapOvr>
-</p:sld>
-</file>
-
-<file path=ppt/slides/slide21.xml><?xml version="1.0" encoding="utf-8"?>
-<p:sld xmlns:a="http://schemas.openxmlformats.org/drawingml/2006/main" xmlns:r="http://schemas.openxmlformats.org/officeDocument/2006/relationships" xmlns:p="http://schemas.openxmlformats.org/presentationml/2006/main">
-  <p:cSld>
-    <p:spTree>
-      <p:nvGrpSpPr>
-        <p:cNvPr id="1" name=""/>
-        <p:cNvGrpSpPr/>
-        <p:nvPr/>
-      </p:nvGrpSpPr>
-      <p:grpSpPr>
-        <a:xfrm>
-          <a:off x="0" y="0"/>
-          <a:ext cx="0" cy="0"/>
-          <a:chOff x="0" y="0"/>
-          <a:chExt cx="0" cy="0"/>
-        </a:xfrm>
-      </p:grpSpPr>
       <p:sp>
         <p:nvSpPr>
           <p:cNvPr id="3" name="Content Placeholder 2">
@@ -14367,7 +13116,7 @@
 </p:sld>
 </file>
 
-<file path=ppt/slides/slide22.xml><?xml version="1.0" encoding="utf-8"?>
+<file path=ppt/slides/slide21.xml><?xml version="1.0" encoding="utf-8"?>
 <p:sld xmlns:a="http://schemas.openxmlformats.org/drawingml/2006/main" xmlns:r="http://schemas.openxmlformats.org/officeDocument/2006/relationships" xmlns:p="http://schemas.openxmlformats.org/presentationml/2006/main">
   <p:cSld>
     <p:spTree>
